--- a/lab-examples/pim-ssm/ok07-asm-ssm-ipv4-ipv6-vboxnet/topo.pptx
+++ b/lab-examples/pim-ssm/ok07-asm-ssm-ipv4-ipv6-vboxnet/topo.pptx
@@ -13388,6 +13388,9 @@
           <a:prstGeom prst="ellipse">
             <a:avLst/>
           </a:prstGeom>
+          <a:solidFill>
+            <a:srgbClr val="00B050"/>
+          </a:solidFill>
         </p:spPr>
         <p:style>
           <a:lnRef idx="2">
@@ -13411,8 +13414,8 @@
           <a:p>
             <a:pPr algn="ctr"/>
             <a:r>
-              <a:rPr lang="en-US" altLang="ko-KR" dirty="0" err="1" smtClean="0"/>
-              <a:t>R5</a:t>
+              <a:rPr lang="en-US" altLang="ko-KR" smtClean="0"/>
+              <a:t>VM</a:t>
             </a:r>
             <a:endParaRPr lang="en-US" altLang="ko-KR" dirty="0" smtClean="0"/>
           </a:p>
@@ -13440,6 +13443,9 @@
           <a:prstGeom prst="ellipse">
             <a:avLst/>
           </a:prstGeom>
+          <a:solidFill>
+            <a:srgbClr val="00B050"/>
+          </a:solidFill>
         </p:spPr>
         <p:style>
           <a:lnRef idx="2">
@@ -13463,8 +13469,8 @@
           <a:p>
             <a:pPr algn="ctr"/>
             <a:r>
-              <a:rPr lang="en-US" altLang="ko-KR" dirty="0" err="1" smtClean="0"/>
-              <a:t>R4</a:t>
+              <a:rPr lang="en-US" altLang="ko-KR" smtClean="0"/>
+              <a:t>VM</a:t>
             </a:r>
             <a:endParaRPr lang="en-US" altLang="ko-KR" dirty="0" smtClean="0"/>
           </a:p>
@@ -13536,6 +13542,9 @@
           <a:prstGeom prst="ellipse">
             <a:avLst/>
           </a:prstGeom>
+          <a:solidFill>
+            <a:srgbClr val="00B050"/>
+          </a:solidFill>
         </p:spPr>
         <p:style>
           <a:lnRef idx="2">
@@ -13559,8 +13568,8 @@
           <a:p>
             <a:pPr algn="ctr"/>
             <a:r>
-              <a:rPr lang="en-US" altLang="ko-KR" dirty="0" err="1" smtClean="0"/>
-              <a:t>R7</a:t>
+              <a:rPr lang="en-US" altLang="ko-KR" smtClean="0"/>
+              <a:t>VM</a:t>
             </a:r>
             <a:endParaRPr lang="en-US" altLang="ko-KR" dirty="0" smtClean="0"/>
           </a:p>
@@ -13588,6 +13597,9 @@
           <a:prstGeom prst="ellipse">
             <a:avLst/>
           </a:prstGeom>
+          <a:solidFill>
+            <a:srgbClr val="00B050"/>
+          </a:solidFill>
         </p:spPr>
         <p:style>
           <a:lnRef idx="2">
@@ -13611,8 +13623,8 @@
           <a:p>
             <a:pPr algn="ctr"/>
             <a:r>
-              <a:rPr lang="en-US" altLang="ko-KR" dirty="0" err="1" smtClean="0"/>
-              <a:t>R6</a:t>
+              <a:rPr lang="en-US" altLang="ko-KR" smtClean="0"/>
+              <a:t>VM</a:t>
             </a:r>
             <a:endParaRPr lang="en-US" altLang="ko-KR" dirty="0" smtClean="0"/>
           </a:p>
